--- a/getting-apis-to-work-2021/img/API-management.pptx
+++ b/getting-apis-to-work-2021/img/API-management.pptx
@@ -3331,10 +3331,10 @@
       </p:grpSpPr>
       <p:sp>
         <p:nvSpPr>
-          <p:cNvPr id="4" name="Rectangle 3">
-            <a:extLst>
-              <a:ext uri="{FF2B5EF4-FFF2-40B4-BE49-F238E27FC236}">
-                <a16:creationId xmlns:a16="http://schemas.microsoft.com/office/drawing/2014/main" id="{AFE62128-DAA0-9C44-A811-C7D4B435533E}"/>
+          <p:cNvPr id="10" name="Rectangle 9">
+            <a:extLst>
+              <a:ext uri="{FF2B5EF4-FFF2-40B4-BE49-F238E27FC236}">
+                <a16:creationId xmlns:a16="http://schemas.microsoft.com/office/drawing/2014/main" id="{2B393DD3-7185-8145-9533-FDF1CECE79A4}"/>
               </a:ext>
             </a:extLst>
           </p:cNvPr>
@@ -3343,7 +3343,7 @@
         </p:nvSpPr>
         <p:spPr>
           <a:xfrm>
-            <a:off x="5683029" y="5341085"/>
+            <a:off x="7292089" y="5341085"/>
             <a:ext cx="1360967" cy="435936"/>
           </a:xfrm>
           <a:prstGeom prst="rect">
@@ -3385,10 +3385,10 @@
       </p:sp>
       <p:sp>
         <p:nvSpPr>
-          <p:cNvPr id="5" name="Rectangle 4">
-            <a:extLst>
-              <a:ext uri="{FF2B5EF4-FFF2-40B4-BE49-F238E27FC236}">
-                <a16:creationId xmlns:a16="http://schemas.microsoft.com/office/drawing/2014/main" id="{A554FE1C-5FC9-B149-BCDC-7AD424CE742D}"/>
+          <p:cNvPr id="11" name="Rectangle 10">
+            <a:extLst>
+              <a:ext uri="{FF2B5EF4-FFF2-40B4-BE49-F238E27FC236}">
+                <a16:creationId xmlns:a16="http://schemas.microsoft.com/office/drawing/2014/main" id="{C45211D4-C403-C249-8362-B1B386FEC205}"/>
               </a:ext>
             </a:extLst>
           </p:cNvPr>
@@ -3397,7 +3397,7 @@
         </p:nvSpPr>
         <p:spPr>
           <a:xfrm>
-            <a:off x="5683028" y="4789290"/>
+            <a:off x="7292088" y="4789290"/>
             <a:ext cx="1360967" cy="435936"/>
           </a:xfrm>
           <a:prstGeom prst="rect">
@@ -3444,10 +3444,10 @@
       </p:sp>
       <p:sp>
         <p:nvSpPr>
-          <p:cNvPr id="10" name="Rectangle 9">
-            <a:extLst>
-              <a:ext uri="{FF2B5EF4-FFF2-40B4-BE49-F238E27FC236}">
-                <a16:creationId xmlns:a16="http://schemas.microsoft.com/office/drawing/2014/main" id="{2B393DD3-7185-8145-9533-FDF1CECE79A4}"/>
+          <p:cNvPr id="18" name="Rectangle 17">
+            <a:extLst>
+              <a:ext uri="{FF2B5EF4-FFF2-40B4-BE49-F238E27FC236}">
+                <a16:creationId xmlns:a16="http://schemas.microsoft.com/office/drawing/2014/main" id="{5EA7F77D-A9CE-5843-8176-AFA5C2CE1FFD}"/>
               </a:ext>
             </a:extLst>
           </p:cNvPr>
@@ -3456,121 +3456,8 @@
         </p:nvSpPr>
         <p:spPr>
           <a:xfrm>
-            <a:off x="7292089" y="5341085"/>
-            <a:ext cx="1360967" cy="435936"/>
-          </a:xfrm>
-          <a:prstGeom prst="rect">
-            <a:avLst/>
-          </a:prstGeom>
-          <a:solidFill>
-            <a:schemeClr val="accent1">
-              <a:lumMod val="50000"/>
-            </a:schemeClr>
-          </a:solidFill>
-        </p:spPr>
-        <p:style>
-          <a:lnRef idx="2">
-            <a:schemeClr val="accent1">
-              <a:shade val="50000"/>
-            </a:schemeClr>
-          </a:lnRef>
-          <a:fillRef idx="1">
-            <a:schemeClr val="accent1"/>
-          </a:fillRef>
-          <a:effectRef idx="0">
-            <a:schemeClr val="accent1"/>
-          </a:effectRef>
-          <a:fontRef idx="minor">
-            <a:schemeClr val="lt1"/>
-          </a:fontRef>
-        </p:style>
-        <p:txBody>
-          <a:bodyPr rtlCol="0" anchor="ctr"/>
-          <a:lstStyle/>
-          <a:p>
-            <a:pPr algn="ctr"/>
-            <a:r>
-              <a:rPr lang="en-US" dirty="0"/>
-              <a:t>Digital Asset</a:t>
-            </a:r>
-          </a:p>
-        </p:txBody>
-      </p:sp>
-      <p:sp>
-        <p:nvSpPr>
-          <p:cNvPr id="11" name="Rectangle 10">
-            <a:extLst>
-              <a:ext uri="{FF2B5EF4-FFF2-40B4-BE49-F238E27FC236}">
-                <a16:creationId xmlns:a16="http://schemas.microsoft.com/office/drawing/2014/main" id="{C45211D4-C403-C249-8362-B1B386FEC205}"/>
-              </a:ext>
-            </a:extLst>
-          </p:cNvPr>
-          <p:cNvSpPr/>
-          <p:nvPr/>
-        </p:nvSpPr>
-        <p:spPr>
-          <a:xfrm>
-            <a:off x="7292088" y="4789290"/>
-            <a:ext cx="1360967" cy="435936"/>
-          </a:xfrm>
-          <a:prstGeom prst="rect">
-            <a:avLst/>
-          </a:prstGeom>
-          <a:solidFill>
-            <a:schemeClr val="accent1">
-              <a:lumMod val="75000"/>
-            </a:schemeClr>
-          </a:solidFill>
-        </p:spPr>
-        <p:style>
-          <a:lnRef idx="2">
-            <a:schemeClr val="accent1">
-              <a:shade val="50000"/>
-            </a:schemeClr>
-          </a:lnRef>
-          <a:fillRef idx="1">
-            <a:schemeClr val="accent1"/>
-          </a:fillRef>
-          <a:effectRef idx="0">
-            <a:schemeClr val="accent1"/>
-          </a:effectRef>
-          <a:fontRef idx="minor">
-            <a:schemeClr val="lt1"/>
-          </a:fontRef>
-        </p:style>
-        <p:txBody>
-          <a:bodyPr rtlCol="0" anchor="ctr"/>
-          <a:lstStyle/>
-          <a:p>
-            <a:pPr algn="ctr"/>
-            <a:r>
-              <a:rPr lang="en-US" dirty="0" err="1"/>
-              <a:t>API</a:t>
-            </a:r>
-            <a:r>
-              <a:rPr lang="en-US" baseline="-25000" dirty="0" err="1"/>
-              <a:t>Provider</a:t>
-            </a:r>
-            <a:endParaRPr lang="en-US" dirty="0"/>
-          </a:p>
-        </p:txBody>
-      </p:sp>
-      <p:sp>
-        <p:nvSpPr>
-          <p:cNvPr id="18" name="Rectangle 17">
-            <a:extLst>
-              <a:ext uri="{FF2B5EF4-FFF2-40B4-BE49-F238E27FC236}">
-                <a16:creationId xmlns:a16="http://schemas.microsoft.com/office/drawing/2014/main" id="{5EA7F77D-A9CE-5843-8176-AFA5C2CE1FFD}"/>
-              </a:ext>
-            </a:extLst>
-          </p:cNvPr>
-          <p:cNvSpPr/>
-          <p:nvPr/>
-        </p:nvSpPr>
-        <p:spPr>
-          <a:xfrm>
-            <a:off x="5683028" y="4113025"/>
-            <a:ext cx="2970028" cy="435936"/>
+            <a:off x="7292088" y="4113025"/>
+            <a:ext cx="1360968" cy="435936"/>
           </a:xfrm>
           <a:prstGeom prst="rect">
             <a:avLst/>

--- a/getting-apis-to-work-2021/img/API-management.pptx
+++ b/getting-apis-to-work-2021/img/API-management.pptx
@@ -5,10 +5,10 @@
     <p:sldMasterId id="2147483648" r:id="rId1"/>
   </p:sldMasterIdLst>
   <p:sldIdLst>
-    <p:sldId id="264" r:id="rId2"/>
-    <p:sldId id="265" r:id="rId3"/>
-    <p:sldId id="266" r:id="rId4"/>
-    <p:sldId id="267" r:id="rId5"/>
+    <p:sldId id="267" r:id="rId2"/>
+    <p:sldId id="268" r:id="rId3"/>
+    <p:sldId id="269" r:id="rId4"/>
+    <p:sldId id="270" r:id="rId5"/>
   </p:sldIdLst>
   <p:sldSz cx="12192000" cy="6858000"/>
   <p:notesSz cx="6858000" cy="9144000"/>
@@ -3331,10 +3331,10 @@
       </p:grpSpPr>
       <p:sp>
         <p:nvSpPr>
-          <p:cNvPr id="10" name="Rectangle 9">
-            <a:extLst>
-              <a:ext uri="{FF2B5EF4-FFF2-40B4-BE49-F238E27FC236}">
-                <a16:creationId xmlns:a16="http://schemas.microsoft.com/office/drawing/2014/main" id="{2B393DD3-7185-8145-9533-FDF1CECE79A4}"/>
+          <p:cNvPr id="11" name="Rectangle 10">
+            <a:extLst>
+              <a:ext uri="{FF2B5EF4-FFF2-40B4-BE49-F238E27FC236}">
+                <a16:creationId xmlns:a16="http://schemas.microsoft.com/office/drawing/2014/main" id="{C45211D4-C403-C249-8362-B1B386FEC205}"/>
               </a:ext>
             </a:extLst>
           </p:cNvPr>
@@ -3343,7 +3343,7 @@
         </p:nvSpPr>
         <p:spPr>
           <a:xfrm>
-            <a:off x="7292089" y="5341085"/>
+            <a:off x="7292089" y="4822309"/>
             <a:ext cx="1360967" cy="435936"/>
           </a:xfrm>
           <a:prstGeom prst="rect">
@@ -3351,7 +3351,7 @@
           </a:prstGeom>
           <a:solidFill>
             <a:schemeClr val="accent1">
-              <a:lumMod val="50000"/>
+              <a:lumMod val="75000"/>
             </a:schemeClr>
           </a:solidFill>
         </p:spPr>
@@ -3377,18 +3377,23 @@
           <a:p>
             <a:pPr algn="ctr"/>
             <a:r>
-              <a:rPr lang="en-US" dirty="0"/>
-              <a:t>Digital Asset</a:t>
-            </a:r>
-          </a:p>
-        </p:txBody>
-      </p:sp>
-      <p:sp>
-        <p:nvSpPr>
-          <p:cNvPr id="11" name="Rectangle 10">
-            <a:extLst>
-              <a:ext uri="{FF2B5EF4-FFF2-40B4-BE49-F238E27FC236}">
-                <a16:creationId xmlns:a16="http://schemas.microsoft.com/office/drawing/2014/main" id="{C45211D4-C403-C249-8362-B1B386FEC205}"/>
+              <a:rPr lang="en-US" dirty="0" err="1"/>
+              <a:t>API</a:t>
+            </a:r>
+            <a:r>
+              <a:rPr lang="en-US" baseline="-25000" dirty="0" err="1"/>
+              <a:t>Provider</a:t>
+            </a:r>
+            <a:endParaRPr lang="en-US" dirty="0"/>
+          </a:p>
+        </p:txBody>
+      </p:sp>
+      <p:sp>
+        <p:nvSpPr>
+          <p:cNvPr id="18" name="Rectangle 17">
+            <a:extLst>
+              <a:ext uri="{FF2B5EF4-FFF2-40B4-BE49-F238E27FC236}">
+                <a16:creationId xmlns:a16="http://schemas.microsoft.com/office/drawing/2014/main" id="{5EA7F77D-A9CE-5843-8176-AFA5C2CE1FFD}"/>
               </a:ext>
             </a:extLst>
           </p:cNvPr>
@@ -3397,67 +3402,8 @@
         </p:nvSpPr>
         <p:spPr>
           <a:xfrm>
-            <a:off x="7292088" y="4789290"/>
+            <a:off x="7292088" y="4113025"/>
             <a:ext cx="1360967" cy="435936"/>
-          </a:xfrm>
-          <a:prstGeom prst="rect">
-            <a:avLst/>
-          </a:prstGeom>
-          <a:solidFill>
-            <a:schemeClr val="accent1">
-              <a:lumMod val="75000"/>
-            </a:schemeClr>
-          </a:solidFill>
-        </p:spPr>
-        <p:style>
-          <a:lnRef idx="2">
-            <a:schemeClr val="accent1">
-              <a:shade val="50000"/>
-            </a:schemeClr>
-          </a:lnRef>
-          <a:fillRef idx="1">
-            <a:schemeClr val="accent1"/>
-          </a:fillRef>
-          <a:effectRef idx="0">
-            <a:schemeClr val="accent1"/>
-          </a:effectRef>
-          <a:fontRef idx="minor">
-            <a:schemeClr val="lt1"/>
-          </a:fontRef>
-        </p:style>
-        <p:txBody>
-          <a:bodyPr rtlCol="0" anchor="ctr"/>
-          <a:lstStyle/>
-          <a:p>
-            <a:pPr algn="ctr"/>
-            <a:r>
-              <a:rPr lang="en-US" dirty="0" err="1"/>
-              <a:t>API</a:t>
-            </a:r>
-            <a:r>
-              <a:rPr lang="en-US" baseline="-25000" dirty="0" err="1"/>
-              <a:t>Provider</a:t>
-            </a:r>
-            <a:endParaRPr lang="en-US" dirty="0"/>
-          </a:p>
-        </p:txBody>
-      </p:sp>
-      <p:sp>
-        <p:nvSpPr>
-          <p:cNvPr id="18" name="Rectangle 17">
-            <a:extLst>
-              <a:ext uri="{FF2B5EF4-FFF2-40B4-BE49-F238E27FC236}">
-                <a16:creationId xmlns:a16="http://schemas.microsoft.com/office/drawing/2014/main" id="{5EA7F77D-A9CE-5843-8176-AFA5C2CE1FFD}"/>
-              </a:ext>
-            </a:extLst>
-          </p:cNvPr>
-          <p:cNvSpPr/>
-          <p:nvPr/>
-        </p:nvSpPr>
-        <p:spPr>
-          <a:xfrm>
-            <a:off x="7292088" y="4113025"/>
-            <a:ext cx="1360968" cy="435936"/>
           </a:xfrm>
           <a:prstGeom prst="rect">
             <a:avLst/>
@@ -3519,8 +3465,8 @@
         </p:nvSpPr>
         <p:spPr>
           <a:xfrm rot="16200000">
-            <a:off x="8322637" y="4606555"/>
-            <a:ext cx="1663996" cy="676937"/>
+            <a:off x="8691083" y="4338969"/>
+            <a:ext cx="1320211" cy="676937"/>
           </a:xfrm>
           <a:prstGeom prst="leftRightArrow">
             <a:avLst>
@@ -3563,15 +3509,8 @@
           <a:p>
             <a:pPr algn="ctr"/>
             <a:r>
-              <a:rPr lang="en-US" sz="1100" dirty="0"/>
-              <a:t> Technical API</a:t>
-            </a:r>
-          </a:p>
-          <a:p>
-            <a:pPr algn="ctr"/>
-            <a:r>
-              <a:rPr lang="en-US" sz="1100" dirty="0"/>
-              <a:t>Management</a:t>
+              <a:rPr lang="en-US" sz="1400" dirty="0"/>
+              <a:t> Technical</a:t>
             </a:r>
           </a:p>
         </p:txBody>
@@ -3579,7 +3518,7 @@
     </p:spTree>
     <p:extLst>
       <p:ext uri="{BB962C8B-B14F-4D97-AF65-F5344CB8AC3E}">
-        <p14:creationId xmlns:p14="http://schemas.microsoft.com/office/powerpoint/2010/main" val="4075955793"/>
+        <p14:creationId xmlns:p14="http://schemas.microsoft.com/office/powerpoint/2010/main" val="1626511264"/>
       </p:ext>
     </p:extLst>
   </p:cSld>
@@ -3608,10 +3547,10 @@
       </p:grpSpPr>
       <p:sp>
         <p:nvSpPr>
-          <p:cNvPr id="4" name="Rectangle 3">
-            <a:extLst>
-              <a:ext uri="{FF2B5EF4-FFF2-40B4-BE49-F238E27FC236}">
-                <a16:creationId xmlns:a16="http://schemas.microsoft.com/office/drawing/2014/main" id="{AFE62128-DAA0-9C44-A811-C7D4B435533E}"/>
+          <p:cNvPr id="5" name="Rectangle 4">
+            <a:extLst>
+              <a:ext uri="{FF2B5EF4-FFF2-40B4-BE49-F238E27FC236}">
+                <a16:creationId xmlns:a16="http://schemas.microsoft.com/office/drawing/2014/main" id="{A554FE1C-5FC9-B149-BCDC-7AD424CE742D}"/>
               </a:ext>
             </a:extLst>
           </p:cNvPr>
@@ -3620,7 +3559,7 @@
         </p:nvSpPr>
         <p:spPr>
           <a:xfrm>
-            <a:off x="5683029" y="5341085"/>
+            <a:off x="5683029" y="4822309"/>
             <a:ext cx="1360967" cy="435936"/>
           </a:xfrm>
           <a:prstGeom prst="rect">
@@ -3628,7 +3567,7 @@
           </a:prstGeom>
           <a:solidFill>
             <a:schemeClr val="accent1">
-              <a:lumMod val="50000"/>
+              <a:lumMod val="75000"/>
             </a:schemeClr>
           </a:solidFill>
         </p:spPr>
@@ -3654,18 +3593,23 @@
           <a:p>
             <a:pPr algn="ctr"/>
             <a:r>
-              <a:rPr lang="en-US" dirty="0"/>
-              <a:t>Digital Asset</a:t>
-            </a:r>
-          </a:p>
-        </p:txBody>
-      </p:sp>
-      <p:sp>
-        <p:nvSpPr>
-          <p:cNvPr id="5" name="Rectangle 4">
-            <a:extLst>
-              <a:ext uri="{FF2B5EF4-FFF2-40B4-BE49-F238E27FC236}">
-                <a16:creationId xmlns:a16="http://schemas.microsoft.com/office/drawing/2014/main" id="{A554FE1C-5FC9-B149-BCDC-7AD424CE742D}"/>
+              <a:rPr lang="en-US" dirty="0" err="1"/>
+              <a:t>API</a:t>
+            </a:r>
+            <a:r>
+              <a:rPr lang="en-US" baseline="-25000" dirty="0" err="1"/>
+              <a:t>Provider</a:t>
+            </a:r>
+            <a:endParaRPr lang="en-US" dirty="0"/>
+          </a:p>
+        </p:txBody>
+      </p:sp>
+      <p:sp>
+        <p:nvSpPr>
+          <p:cNvPr id="11" name="Rectangle 10">
+            <a:extLst>
+              <a:ext uri="{FF2B5EF4-FFF2-40B4-BE49-F238E27FC236}">
+                <a16:creationId xmlns:a16="http://schemas.microsoft.com/office/drawing/2014/main" id="{C45211D4-C403-C249-8362-B1B386FEC205}"/>
               </a:ext>
             </a:extLst>
           </p:cNvPr>
@@ -3674,120 +3618,7 @@
         </p:nvSpPr>
         <p:spPr>
           <a:xfrm>
-            <a:off x="5683028" y="4789290"/>
-            <a:ext cx="1360967" cy="435936"/>
-          </a:xfrm>
-          <a:prstGeom prst="rect">
-            <a:avLst/>
-          </a:prstGeom>
-          <a:solidFill>
-            <a:schemeClr val="accent1">
-              <a:lumMod val="75000"/>
-            </a:schemeClr>
-          </a:solidFill>
-        </p:spPr>
-        <p:style>
-          <a:lnRef idx="2">
-            <a:schemeClr val="accent1">
-              <a:shade val="50000"/>
-            </a:schemeClr>
-          </a:lnRef>
-          <a:fillRef idx="1">
-            <a:schemeClr val="accent1"/>
-          </a:fillRef>
-          <a:effectRef idx="0">
-            <a:schemeClr val="accent1"/>
-          </a:effectRef>
-          <a:fontRef idx="minor">
-            <a:schemeClr val="lt1"/>
-          </a:fontRef>
-        </p:style>
-        <p:txBody>
-          <a:bodyPr rtlCol="0" anchor="ctr"/>
-          <a:lstStyle/>
-          <a:p>
-            <a:pPr algn="ctr"/>
-            <a:r>
-              <a:rPr lang="en-US" dirty="0" err="1"/>
-              <a:t>API</a:t>
-            </a:r>
-            <a:r>
-              <a:rPr lang="en-US" baseline="-25000" dirty="0" err="1"/>
-              <a:t>Provider</a:t>
-            </a:r>
-            <a:endParaRPr lang="en-US" dirty="0"/>
-          </a:p>
-        </p:txBody>
-      </p:sp>
-      <p:sp>
-        <p:nvSpPr>
-          <p:cNvPr id="10" name="Rectangle 9">
-            <a:extLst>
-              <a:ext uri="{FF2B5EF4-FFF2-40B4-BE49-F238E27FC236}">
-                <a16:creationId xmlns:a16="http://schemas.microsoft.com/office/drawing/2014/main" id="{2B393DD3-7185-8145-9533-FDF1CECE79A4}"/>
-              </a:ext>
-            </a:extLst>
-          </p:cNvPr>
-          <p:cNvSpPr/>
-          <p:nvPr/>
-        </p:nvSpPr>
-        <p:spPr>
-          <a:xfrm>
-            <a:off x="7292089" y="5341085"/>
-            <a:ext cx="1360967" cy="435936"/>
-          </a:xfrm>
-          <a:prstGeom prst="rect">
-            <a:avLst/>
-          </a:prstGeom>
-          <a:solidFill>
-            <a:schemeClr val="accent1">
-              <a:lumMod val="50000"/>
-            </a:schemeClr>
-          </a:solidFill>
-        </p:spPr>
-        <p:style>
-          <a:lnRef idx="2">
-            <a:schemeClr val="accent1">
-              <a:shade val="50000"/>
-            </a:schemeClr>
-          </a:lnRef>
-          <a:fillRef idx="1">
-            <a:schemeClr val="accent1"/>
-          </a:fillRef>
-          <a:effectRef idx="0">
-            <a:schemeClr val="accent1"/>
-          </a:effectRef>
-          <a:fontRef idx="minor">
-            <a:schemeClr val="lt1"/>
-          </a:fontRef>
-        </p:style>
-        <p:txBody>
-          <a:bodyPr rtlCol="0" anchor="ctr"/>
-          <a:lstStyle/>
-          <a:p>
-            <a:pPr algn="ctr"/>
-            <a:r>
-              <a:rPr lang="en-US" dirty="0"/>
-              <a:t>Digital Asset</a:t>
-            </a:r>
-          </a:p>
-        </p:txBody>
-      </p:sp>
-      <p:sp>
-        <p:nvSpPr>
-          <p:cNvPr id="11" name="Rectangle 10">
-            <a:extLst>
-              <a:ext uri="{FF2B5EF4-FFF2-40B4-BE49-F238E27FC236}">
-                <a16:creationId xmlns:a16="http://schemas.microsoft.com/office/drawing/2014/main" id="{C45211D4-C403-C249-8362-B1B386FEC205}"/>
-              </a:ext>
-            </a:extLst>
-          </p:cNvPr>
-          <p:cNvSpPr/>
-          <p:nvPr/>
-        </p:nvSpPr>
-        <p:spPr>
-          <a:xfrm>
-            <a:off x="7292088" y="4789290"/>
+            <a:off x="7292089" y="4822309"/>
             <a:ext cx="1360967" cy="435936"/>
           </a:xfrm>
           <a:prstGeom prst="rect">
@@ -3909,8 +3740,8 @@
         </p:nvSpPr>
         <p:spPr>
           <a:xfrm rot="16200000">
-            <a:off x="8322637" y="4606555"/>
-            <a:ext cx="1663996" cy="676937"/>
+            <a:off x="8691083" y="4338969"/>
+            <a:ext cx="1320211" cy="676937"/>
           </a:xfrm>
           <a:prstGeom prst="leftRightArrow">
             <a:avLst>
@@ -3953,25 +3784,18 @@
           <a:p>
             <a:pPr algn="ctr"/>
             <a:r>
-              <a:rPr lang="en-US" sz="1100" dirty="0"/>
-              <a:t> Technical API</a:t>
-            </a:r>
-          </a:p>
-          <a:p>
-            <a:pPr algn="ctr"/>
-            <a:r>
-              <a:rPr lang="en-US" sz="1100" dirty="0"/>
-              <a:t>Management</a:t>
-            </a:r>
-          </a:p>
-        </p:txBody>
-      </p:sp>
-      <p:sp>
-        <p:nvSpPr>
-          <p:cNvPr id="36" name="Left-Right Arrow 35">
-            <a:extLst>
-              <a:ext uri="{FF2B5EF4-FFF2-40B4-BE49-F238E27FC236}">
-                <a16:creationId xmlns:a16="http://schemas.microsoft.com/office/drawing/2014/main" id="{FF2B0A4D-4A66-0748-B57A-424CD1F3F13E}"/>
+              <a:rPr lang="en-US" sz="1400" dirty="0"/>
+              <a:t> Technical</a:t>
+            </a:r>
+          </a:p>
+        </p:txBody>
+      </p:sp>
+      <p:sp>
+        <p:nvSpPr>
+          <p:cNvPr id="39" name="Left-Right Arrow 38">
+            <a:extLst>
+              <a:ext uri="{FF2B5EF4-FFF2-40B4-BE49-F238E27FC236}">
+                <a16:creationId xmlns:a16="http://schemas.microsoft.com/office/drawing/2014/main" id="{BE88AC7A-29BB-3A4D-8BC8-853741F41350}"/>
               </a:ext>
             </a:extLst>
           </p:cNvPr>
@@ -3980,8 +3804,8 @@
         </p:nvSpPr>
         <p:spPr>
           <a:xfrm>
-            <a:off x="5683028" y="5932970"/>
-            <a:ext cx="2993062" cy="676937"/>
+            <a:off x="5706062" y="5531593"/>
+            <a:ext cx="2970028" cy="676937"/>
           </a:xfrm>
           <a:prstGeom prst="leftRightArrow">
             <a:avLst>
@@ -4024,15 +3848,8 @@
           <a:p>
             <a:pPr algn="ctr"/>
             <a:r>
-              <a:rPr lang="en-US" sz="1100" dirty="0"/>
-              <a:t>API Lifecycle</a:t>
-            </a:r>
-          </a:p>
-          <a:p>
-            <a:pPr algn="ctr"/>
-            <a:r>
-              <a:rPr lang="en-US" sz="1100" dirty="0"/>
-              <a:t>Management</a:t>
+              <a:rPr lang="en-US" sz="1400" dirty="0"/>
+              <a:t>Lifecycle</a:t>
             </a:r>
           </a:p>
         </p:txBody>
@@ -4040,7 +3857,7 @@
     </p:spTree>
     <p:extLst>
       <p:ext uri="{BB962C8B-B14F-4D97-AF65-F5344CB8AC3E}">
-        <p14:creationId xmlns:p14="http://schemas.microsoft.com/office/powerpoint/2010/main" val="1865711378"/>
+        <p14:creationId xmlns:p14="http://schemas.microsoft.com/office/powerpoint/2010/main" val="1918065562"/>
       </p:ext>
     </p:extLst>
   </p:cSld>
@@ -4069,10 +3886,10 @@
       </p:grpSpPr>
       <p:sp>
         <p:nvSpPr>
-          <p:cNvPr id="4" name="Rectangle 3">
-            <a:extLst>
-              <a:ext uri="{FF2B5EF4-FFF2-40B4-BE49-F238E27FC236}">
-                <a16:creationId xmlns:a16="http://schemas.microsoft.com/office/drawing/2014/main" id="{AFE62128-DAA0-9C44-A811-C7D4B435533E}"/>
+          <p:cNvPr id="5" name="Rectangle 4">
+            <a:extLst>
+              <a:ext uri="{FF2B5EF4-FFF2-40B4-BE49-F238E27FC236}">
+                <a16:creationId xmlns:a16="http://schemas.microsoft.com/office/drawing/2014/main" id="{A554FE1C-5FC9-B149-BCDC-7AD424CE742D}"/>
               </a:ext>
             </a:extLst>
           </p:cNvPr>
@@ -4081,61 +3898,7 @@
         </p:nvSpPr>
         <p:spPr>
           <a:xfrm>
-            <a:off x="5683029" y="5341085"/>
-            <a:ext cx="1360967" cy="435936"/>
-          </a:xfrm>
-          <a:prstGeom prst="rect">
-            <a:avLst/>
-          </a:prstGeom>
-          <a:solidFill>
-            <a:schemeClr val="accent1">
-              <a:lumMod val="50000"/>
-            </a:schemeClr>
-          </a:solidFill>
-        </p:spPr>
-        <p:style>
-          <a:lnRef idx="2">
-            <a:schemeClr val="accent1">
-              <a:shade val="50000"/>
-            </a:schemeClr>
-          </a:lnRef>
-          <a:fillRef idx="1">
-            <a:schemeClr val="accent1"/>
-          </a:fillRef>
-          <a:effectRef idx="0">
-            <a:schemeClr val="accent1"/>
-          </a:effectRef>
-          <a:fontRef idx="minor">
-            <a:schemeClr val="lt1"/>
-          </a:fontRef>
-        </p:style>
-        <p:txBody>
-          <a:bodyPr rtlCol="0" anchor="ctr"/>
-          <a:lstStyle/>
-          <a:p>
-            <a:pPr algn="ctr"/>
-            <a:r>
-              <a:rPr lang="en-US" dirty="0"/>
-              <a:t>Digital Asset</a:t>
-            </a:r>
-          </a:p>
-        </p:txBody>
-      </p:sp>
-      <p:sp>
-        <p:nvSpPr>
-          <p:cNvPr id="5" name="Rectangle 4">
-            <a:extLst>
-              <a:ext uri="{FF2B5EF4-FFF2-40B4-BE49-F238E27FC236}">
-                <a16:creationId xmlns:a16="http://schemas.microsoft.com/office/drawing/2014/main" id="{A554FE1C-5FC9-B149-BCDC-7AD424CE742D}"/>
-              </a:ext>
-            </a:extLst>
-          </p:cNvPr>
-          <p:cNvSpPr/>
-          <p:nvPr/>
-        </p:nvSpPr>
-        <p:spPr>
-          <a:xfrm>
-            <a:off x="5683028" y="4789290"/>
+            <a:off x="5683029" y="4822309"/>
             <a:ext cx="1360967" cy="435936"/>
           </a:xfrm>
           <a:prstGeom prst="rect">
@@ -4273,10 +4036,10 @@
       </p:pic>
       <p:sp>
         <p:nvSpPr>
-          <p:cNvPr id="10" name="Rectangle 9">
-            <a:extLst>
-              <a:ext uri="{FF2B5EF4-FFF2-40B4-BE49-F238E27FC236}">
-                <a16:creationId xmlns:a16="http://schemas.microsoft.com/office/drawing/2014/main" id="{2B393DD3-7185-8145-9533-FDF1CECE79A4}"/>
+          <p:cNvPr id="11" name="Rectangle 10">
+            <a:extLst>
+              <a:ext uri="{FF2B5EF4-FFF2-40B4-BE49-F238E27FC236}">
+                <a16:creationId xmlns:a16="http://schemas.microsoft.com/office/drawing/2014/main" id="{C45211D4-C403-C249-8362-B1B386FEC205}"/>
               </a:ext>
             </a:extLst>
           </p:cNvPr>
@@ -4285,7 +4048,7 @@
         </p:nvSpPr>
         <p:spPr>
           <a:xfrm>
-            <a:off x="7292089" y="5341085"/>
+            <a:off x="7292089" y="4822309"/>
             <a:ext cx="1360967" cy="435936"/>
           </a:xfrm>
           <a:prstGeom prst="rect">
@@ -4293,7 +4056,7 @@
           </a:prstGeom>
           <a:solidFill>
             <a:schemeClr val="accent1">
-              <a:lumMod val="50000"/>
+              <a:lumMod val="75000"/>
             </a:schemeClr>
           </a:solidFill>
         </p:spPr>
@@ -4319,18 +4082,23 @@
           <a:p>
             <a:pPr algn="ctr"/>
             <a:r>
-              <a:rPr lang="en-US" dirty="0"/>
-              <a:t>Digital Asset</a:t>
-            </a:r>
-          </a:p>
-        </p:txBody>
-      </p:sp>
-      <p:sp>
-        <p:nvSpPr>
-          <p:cNvPr id="11" name="Rectangle 10">
-            <a:extLst>
-              <a:ext uri="{FF2B5EF4-FFF2-40B4-BE49-F238E27FC236}">
-                <a16:creationId xmlns:a16="http://schemas.microsoft.com/office/drawing/2014/main" id="{C45211D4-C403-C249-8362-B1B386FEC205}"/>
+              <a:rPr lang="en-US" dirty="0" err="1"/>
+              <a:t>API</a:t>
+            </a:r>
+            <a:r>
+              <a:rPr lang="en-US" baseline="-25000" dirty="0" err="1"/>
+              <a:t>Provider</a:t>
+            </a:r>
+            <a:endParaRPr lang="en-US" dirty="0"/>
+          </a:p>
+        </p:txBody>
+      </p:sp>
+      <p:sp>
+        <p:nvSpPr>
+          <p:cNvPr id="13" name="Rectangle 12">
+            <a:extLst>
+              <a:ext uri="{FF2B5EF4-FFF2-40B4-BE49-F238E27FC236}">
+                <a16:creationId xmlns:a16="http://schemas.microsoft.com/office/drawing/2014/main" id="{00A1E21E-21CB-1A46-9D12-80A2E40D8D89}"/>
               </a:ext>
             </a:extLst>
           </p:cNvPr>
@@ -4339,7 +4107,7 @@
         </p:nvSpPr>
         <p:spPr>
           <a:xfrm>
-            <a:off x="7292088" y="4789290"/>
+            <a:off x="405809" y="4823404"/>
             <a:ext cx="1360967" cy="435936"/>
           </a:xfrm>
           <a:prstGeom prst="rect">
@@ -4386,10 +4154,10 @@
       </p:sp>
       <p:sp>
         <p:nvSpPr>
-          <p:cNvPr id="12" name="Rectangle 11">
-            <a:extLst>
-              <a:ext uri="{FF2B5EF4-FFF2-40B4-BE49-F238E27FC236}">
-                <a16:creationId xmlns:a16="http://schemas.microsoft.com/office/drawing/2014/main" id="{CAC86C98-5B0C-CB46-9A75-0B3DBC2FF255}"/>
+          <p:cNvPr id="15" name="Rectangle 14">
+            <a:extLst>
+              <a:ext uri="{FF2B5EF4-FFF2-40B4-BE49-F238E27FC236}">
+                <a16:creationId xmlns:a16="http://schemas.microsoft.com/office/drawing/2014/main" id="{0DCD9790-E817-5F42-963B-086773F5FC69}"/>
               </a:ext>
             </a:extLst>
           </p:cNvPr>
@@ -4398,7 +4166,7 @@
         </p:nvSpPr>
         <p:spPr>
           <a:xfrm>
-            <a:off x="405808" y="5341085"/>
+            <a:off x="2014869" y="4822309"/>
             <a:ext cx="1360967" cy="435936"/>
           </a:xfrm>
           <a:prstGeom prst="rect">
@@ -4406,7 +4174,7 @@
           </a:prstGeom>
           <a:solidFill>
             <a:schemeClr val="accent1">
-              <a:lumMod val="50000"/>
+              <a:lumMod val="75000"/>
             </a:schemeClr>
           </a:solidFill>
         </p:spPr>
@@ -4432,18 +4200,23 @@
           <a:p>
             <a:pPr algn="ctr"/>
             <a:r>
-              <a:rPr lang="en-US" dirty="0"/>
-              <a:t>Digital Asset</a:t>
-            </a:r>
-          </a:p>
-        </p:txBody>
-      </p:sp>
-      <p:sp>
-        <p:nvSpPr>
-          <p:cNvPr id="13" name="Rectangle 12">
-            <a:extLst>
-              <a:ext uri="{FF2B5EF4-FFF2-40B4-BE49-F238E27FC236}">
-                <a16:creationId xmlns:a16="http://schemas.microsoft.com/office/drawing/2014/main" id="{00A1E21E-21CB-1A46-9D12-80A2E40D8D89}"/>
+              <a:rPr lang="en-US" dirty="0" err="1"/>
+              <a:t>API</a:t>
+            </a:r>
+            <a:r>
+              <a:rPr lang="en-US" baseline="-25000" dirty="0" err="1"/>
+              <a:t>Provider</a:t>
+            </a:r>
+            <a:endParaRPr lang="en-US" dirty="0"/>
+          </a:p>
+        </p:txBody>
+      </p:sp>
+      <p:sp>
+        <p:nvSpPr>
+          <p:cNvPr id="17" name="Rectangle 16">
+            <a:extLst>
+              <a:ext uri="{FF2B5EF4-FFF2-40B4-BE49-F238E27FC236}">
+                <a16:creationId xmlns:a16="http://schemas.microsoft.com/office/drawing/2014/main" id="{519005A8-38F4-E749-8CA7-58B98E35BC59}"/>
               </a:ext>
             </a:extLst>
           </p:cNvPr>
@@ -4452,233 +4225,7 @@
         </p:nvSpPr>
         <p:spPr>
           <a:xfrm>
-            <a:off x="405808" y="4790385"/>
-            <a:ext cx="1360967" cy="435936"/>
-          </a:xfrm>
-          <a:prstGeom prst="rect">
-            <a:avLst/>
-          </a:prstGeom>
-          <a:solidFill>
-            <a:schemeClr val="accent1">
-              <a:lumMod val="75000"/>
-            </a:schemeClr>
-          </a:solidFill>
-        </p:spPr>
-        <p:style>
-          <a:lnRef idx="2">
-            <a:schemeClr val="accent1">
-              <a:shade val="50000"/>
-            </a:schemeClr>
-          </a:lnRef>
-          <a:fillRef idx="1">
-            <a:schemeClr val="accent1"/>
-          </a:fillRef>
-          <a:effectRef idx="0">
-            <a:schemeClr val="accent1"/>
-          </a:effectRef>
-          <a:fontRef idx="minor">
-            <a:schemeClr val="lt1"/>
-          </a:fontRef>
-        </p:style>
-        <p:txBody>
-          <a:bodyPr rtlCol="0" anchor="ctr"/>
-          <a:lstStyle/>
-          <a:p>
-            <a:pPr algn="ctr"/>
-            <a:r>
-              <a:rPr lang="en-US" dirty="0" err="1"/>
-              <a:t>API</a:t>
-            </a:r>
-            <a:r>
-              <a:rPr lang="en-US" baseline="-25000" dirty="0" err="1"/>
-              <a:t>Provider</a:t>
-            </a:r>
-            <a:endParaRPr lang="en-US" dirty="0"/>
-          </a:p>
-        </p:txBody>
-      </p:sp>
-      <p:sp>
-        <p:nvSpPr>
-          <p:cNvPr id="14" name="Rectangle 13">
-            <a:extLst>
-              <a:ext uri="{FF2B5EF4-FFF2-40B4-BE49-F238E27FC236}">
-                <a16:creationId xmlns:a16="http://schemas.microsoft.com/office/drawing/2014/main" id="{AEB52E2E-C599-7F43-8437-77CA49E0C8C5}"/>
-              </a:ext>
-            </a:extLst>
-          </p:cNvPr>
-          <p:cNvSpPr/>
-          <p:nvPr/>
-        </p:nvSpPr>
-        <p:spPr>
-          <a:xfrm>
-            <a:off x="2014868" y="5341085"/>
-            <a:ext cx="1360967" cy="435936"/>
-          </a:xfrm>
-          <a:prstGeom prst="rect">
-            <a:avLst/>
-          </a:prstGeom>
-          <a:solidFill>
-            <a:schemeClr val="accent1">
-              <a:lumMod val="50000"/>
-            </a:schemeClr>
-          </a:solidFill>
-        </p:spPr>
-        <p:style>
-          <a:lnRef idx="2">
-            <a:schemeClr val="accent1">
-              <a:shade val="50000"/>
-            </a:schemeClr>
-          </a:lnRef>
-          <a:fillRef idx="1">
-            <a:schemeClr val="accent1"/>
-          </a:fillRef>
-          <a:effectRef idx="0">
-            <a:schemeClr val="accent1"/>
-          </a:effectRef>
-          <a:fontRef idx="minor">
-            <a:schemeClr val="lt1"/>
-          </a:fontRef>
-        </p:style>
-        <p:txBody>
-          <a:bodyPr rtlCol="0" anchor="ctr"/>
-          <a:lstStyle/>
-          <a:p>
-            <a:pPr algn="ctr"/>
-            <a:r>
-              <a:rPr lang="en-US" dirty="0"/>
-              <a:t>Digital Asset</a:t>
-            </a:r>
-          </a:p>
-        </p:txBody>
-      </p:sp>
-      <p:sp>
-        <p:nvSpPr>
-          <p:cNvPr id="15" name="Rectangle 14">
-            <a:extLst>
-              <a:ext uri="{FF2B5EF4-FFF2-40B4-BE49-F238E27FC236}">
-                <a16:creationId xmlns:a16="http://schemas.microsoft.com/office/drawing/2014/main" id="{0DCD9790-E817-5F42-963B-086773F5FC69}"/>
-              </a:ext>
-            </a:extLst>
-          </p:cNvPr>
-          <p:cNvSpPr/>
-          <p:nvPr/>
-        </p:nvSpPr>
-        <p:spPr>
-          <a:xfrm>
-            <a:off x="2014868" y="4789290"/>
-            <a:ext cx="1360967" cy="435936"/>
-          </a:xfrm>
-          <a:prstGeom prst="rect">
-            <a:avLst/>
-          </a:prstGeom>
-          <a:solidFill>
-            <a:schemeClr val="accent1">
-              <a:lumMod val="75000"/>
-            </a:schemeClr>
-          </a:solidFill>
-        </p:spPr>
-        <p:style>
-          <a:lnRef idx="2">
-            <a:schemeClr val="accent1">
-              <a:shade val="50000"/>
-            </a:schemeClr>
-          </a:lnRef>
-          <a:fillRef idx="1">
-            <a:schemeClr val="accent1"/>
-          </a:fillRef>
-          <a:effectRef idx="0">
-            <a:schemeClr val="accent1"/>
-          </a:effectRef>
-          <a:fontRef idx="minor">
-            <a:schemeClr val="lt1"/>
-          </a:fontRef>
-        </p:style>
-        <p:txBody>
-          <a:bodyPr rtlCol="0" anchor="ctr"/>
-          <a:lstStyle/>
-          <a:p>
-            <a:pPr algn="ctr"/>
-            <a:r>
-              <a:rPr lang="en-US" dirty="0" err="1"/>
-              <a:t>API</a:t>
-            </a:r>
-            <a:r>
-              <a:rPr lang="en-US" baseline="-25000" dirty="0" err="1"/>
-              <a:t>Provider</a:t>
-            </a:r>
-            <a:endParaRPr lang="en-US" dirty="0"/>
-          </a:p>
-        </p:txBody>
-      </p:sp>
-      <p:sp>
-        <p:nvSpPr>
-          <p:cNvPr id="16" name="Rectangle 15">
-            <a:extLst>
-              <a:ext uri="{FF2B5EF4-FFF2-40B4-BE49-F238E27FC236}">
-                <a16:creationId xmlns:a16="http://schemas.microsoft.com/office/drawing/2014/main" id="{C837277F-B763-7B46-9545-F91A5DF8566A}"/>
-              </a:ext>
-            </a:extLst>
-          </p:cNvPr>
-          <p:cNvSpPr/>
-          <p:nvPr/>
-        </p:nvSpPr>
-        <p:spPr>
-          <a:xfrm>
-            <a:off x="3848948" y="5341086"/>
-            <a:ext cx="1360967" cy="435936"/>
-          </a:xfrm>
-          <a:prstGeom prst="rect">
-            <a:avLst/>
-          </a:prstGeom>
-          <a:solidFill>
-            <a:schemeClr val="accent1">
-              <a:lumMod val="50000"/>
-            </a:schemeClr>
-          </a:solidFill>
-        </p:spPr>
-        <p:style>
-          <a:lnRef idx="2">
-            <a:schemeClr val="accent1">
-              <a:shade val="50000"/>
-            </a:schemeClr>
-          </a:lnRef>
-          <a:fillRef idx="1">
-            <a:schemeClr val="accent1"/>
-          </a:fillRef>
-          <a:effectRef idx="0">
-            <a:schemeClr val="accent1"/>
-          </a:effectRef>
-          <a:fontRef idx="minor">
-            <a:schemeClr val="lt1"/>
-          </a:fontRef>
-        </p:style>
-        <p:txBody>
-          <a:bodyPr rtlCol="0" anchor="ctr"/>
-          <a:lstStyle/>
-          <a:p>
-            <a:pPr algn="ctr"/>
-            <a:r>
-              <a:rPr lang="en-US" dirty="0"/>
-              <a:t>Digital Asset</a:t>
-            </a:r>
-          </a:p>
-        </p:txBody>
-      </p:sp>
-      <p:sp>
-        <p:nvSpPr>
-          <p:cNvPr id="17" name="Rectangle 16">
-            <a:extLst>
-              <a:ext uri="{FF2B5EF4-FFF2-40B4-BE49-F238E27FC236}">
-                <a16:creationId xmlns:a16="http://schemas.microsoft.com/office/drawing/2014/main" id="{519005A8-38F4-E749-8CA7-58B98E35BC59}"/>
-              </a:ext>
-            </a:extLst>
-          </p:cNvPr>
-          <p:cNvSpPr/>
-          <p:nvPr/>
-        </p:nvSpPr>
-        <p:spPr>
-          <a:xfrm>
-            <a:off x="3848947" y="4790385"/>
+            <a:off x="3848948" y="4823404"/>
             <a:ext cx="1360967" cy="435936"/>
           </a:xfrm>
           <a:prstGeom prst="rect">
@@ -4926,8 +4473,8 @@
         </p:nvSpPr>
         <p:spPr>
           <a:xfrm rot="16200000">
-            <a:off x="8322637" y="4606555"/>
-            <a:ext cx="1663996" cy="676937"/>
+            <a:off x="8691083" y="4338969"/>
+            <a:ext cx="1320211" cy="676937"/>
           </a:xfrm>
           <a:prstGeom prst="leftRightArrow">
             <a:avLst>
@@ -4970,25 +4517,18 @@
           <a:p>
             <a:pPr algn="ctr"/>
             <a:r>
-              <a:rPr lang="en-US" sz="1100" dirty="0"/>
-              <a:t> Technical API</a:t>
-            </a:r>
-          </a:p>
-          <a:p>
-            <a:pPr algn="ctr"/>
-            <a:r>
-              <a:rPr lang="en-US" sz="1100" dirty="0"/>
-              <a:t>Management</a:t>
-            </a:r>
-          </a:p>
-        </p:txBody>
-      </p:sp>
-      <p:sp>
-        <p:nvSpPr>
-          <p:cNvPr id="36" name="Left-Right Arrow 35">
-            <a:extLst>
-              <a:ext uri="{FF2B5EF4-FFF2-40B4-BE49-F238E27FC236}">
-                <a16:creationId xmlns:a16="http://schemas.microsoft.com/office/drawing/2014/main" id="{FF2B0A4D-4A66-0748-B57A-424CD1F3F13E}"/>
+              <a:rPr lang="en-US" sz="1400" dirty="0"/>
+              <a:t> Technical</a:t>
+            </a:r>
+          </a:p>
+        </p:txBody>
+      </p:sp>
+      <p:sp>
+        <p:nvSpPr>
+          <p:cNvPr id="37" name="Left-Right Arrow 36">
+            <a:extLst>
+              <a:ext uri="{FF2B5EF4-FFF2-40B4-BE49-F238E27FC236}">
+                <a16:creationId xmlns:a16="http://schemas.microsoft.com/office/drawing/2014/main" id="{D6E1B239-6049-5A41-ADC0-56A1CDF9A472}"/>
               </a:ext>
             </a:extLst>
           </p:cNvPr>
@@ -4996,9 +4536,9 @@
           <p:nvPr/>
         </p:nvSpPr>
         <p:spPr>
-          <a:xfrm>
-            <a:off x="405807" y="5932970"/>
-            <a:ext cx="8270283" cy="676937"/>
+          <a:xfrm rot="16200000">
+            <a:off x="9122607" y="3882655"/>
+            <a:ext cx="2232835" cy="676937"/>
           </a:xfrm>
           <a:prstGeom prst="leftRightArrow">
             <a:avLst>
@@ -5041,25 +4581,18 @@
           <a:p>
             <a:pPr algn="ctr"/>
             <a:r>
-              <a:rPr lang="en-US" sz="1100" dirty="0"/>
-              <a:t>API Lifecycle</a:t>
-            </a:r>
-          </a:p>
-          <a:p>
-            <a:pPr algn="ctr"/>
-            <a:r>
-              <a:rPr lang="en-US" sz="1100" dirty="0"/>
-              <a:t>Management</a:t>
-            </a:r>
-          </a:p>
-        </p:txBody>
-      </p:sp>
-      <p:sp>
-        <p:nvSpPr>
-          <p:cNvPr id="37" name="Left-Right Arrow 36">
-            <a:extLst>
-              <a:ext uri="{FF2B5EF4-FFF2-40B4-BE49-F238E27FC236}">
-                <a16:creationId xmlns:a16="http://schemas.microsoft.com/office/drawing/2014/main" id="{D6E1B239-6049-5A41-ADC0-56A1CDF9A472}"/>
+              <a:rPr lang="en-US" sz="1400" dirty="0"/>
+              <a:t>Product Management</a:t>
+            </a:r>
+          </a:p>
+        </p:txBody>
+      </p:sp>
+      <p:sp>
+        <p:nvSpPr>
+          <p:cNvPr id="39" name="Left-Right Arrow 38">
+            <a:extLst>
+              <a:ext uri="{FF2B5EF4-FFF2-40B4-BE49-F238E27FC236}">
+                <a16:creationId xmlns:a16="http://schemas.microsoft.com/office/drawing/2014/main" id="{BE88AC7A-29BB-3A4D-8BC8-853741F41350}"/>
               </a:ext>
             </a:extLst>
           </p:cNvPr>
@@ -5067,9 +4600,9 @@
           <p:nvPr/>
         </p:nvSpPr>
         <p:spPr>
-          <a:xfrm rot="16200000">
-            <a:off x="8833891" y="4144925"/>
-            <a:ext cx="2587254" cy="676937"/>
+          <a:xfrm>
+            <a:off x="405807" y="5531593"/>
+            <a:ext cx="8270283" cy="676937"/>
           </a:xfrm>
           <a:prstGeom prst="leftRightArrow">
             <a:avLst>
@@ -5112,15 +4645,8 @@
           <a:p>
             <a:pPr algn="ctr"/>
             <a:r>
-              <a:rPr lang="en-US" sz="1100" dirty="0"/>
-              <a:t>API Product</a:t>
-            </a:r>
-          </a:p>
-          <a:p>
-            <a:pPr algn="ctr"/>
-            <a:r>
-              <a:rPr lang="en-US" sz="1100" dirty="0"/>
-              <a:t>Management</a:t>
+              <a:rPr lang="en-US" sz="1400" dirty="0"/>
+              <a:t>Lifecycle</a:t>
             </a:r>
           </a:p>
         </p:txBody>
@@ -5128,7 +4654,7 @@
     </p:spTree>
     <p:extLst>
       <p:ext uri="{BB962C8B-B14F-4D97-AF65-F5344CB8AC3E}">
-        <p14:creationId xmlns:p14="http://schemas.microsoft.com/office/powerpoint/2010/main" val="651464529"/>
+        <p14:creationId xmlns:p14="http://schemas.microsoft.com/office/powerpoint/2010/main" val="553984594"/>
       </p:ext>
     </p:extLst>
   </p:cSld>
@@ -5157,10 +4683,10 @@
       </p:grpSpPr>
       <p:sp>
         <p:nvSpPr>
-          <p:cNvPr id="4" name="Rectangle 3">
-            <a:extLst>
-              <a:ext uri="{FF2B5EF4-FFF2-40B4-BE49-F238E27FC236}">
-                <a16:creationId xmlns:a16="http://schemas.microsoft.com/office/drawing/2014/main" id="{AFE62128-DAA0-9C44-A811-C7D4B435533E}"/>
+          <p:cNvPr id="5" name="Rectangle 4">
+            <a:extLst>
+              <a:ext uri="{FF2B5EF4-FFF2-40B4-BE49-F238E27FC236}">
+                <a16:creationId xmlns:a16="http://schemas.microsoft.com/office/drawing/2014/main" id="{A554FE1C-5FC9-B149-BCDC-7AD424CE742D}"/>
               </a:ext>
             </a:extLst>
           </p:cNvPr>
@@ -5169,61 +4695,7 @@
         </p:nvSpPr>
         <p:spPr>
           <a:xfrm>
-            <a:off x="5683029" y="5341085"/>
-            <a:ext cx="1360967" cy="435936"/>
-          </a:xfrm>
-          <a:prstGeom prst="rect">
-            <a:avLst/>
-          </a:prstGeom>
-          <a:solidFill>
-            <a:schemeClr val="accent1">
-              <a:lumMod val="50000"/>
-            </a:schemeClr>
-          </a:solidFill>
-        </p:spPr>
-        <p:style>
-          <a:lnRef idx="2">
-            <a:schemeClr val="accent1">
-              <a:shade val="50000"/>
-            </a:schemeClr>
-          </a:lnRef>
-          <a:fillRef idx="1">
-            <a:schemeClr val="accent1"/>
-          </a:fillRef>
-          <a:effectRef idx="0">
-            <a:schemeClr val="accent1"/>
-          </a:effectRef>
-          <a:fontRef idx="minor">
-            <a:schemeClr val="lt1"/>
-          </a:fontRef>
-        </p:style>
-        <p:txBody>
-          <a:bodyPr rtlCol="0" anchor="ctr"/>
-          <a:lstStyle/>
-          <a:p>
-            <a:pPr algn="ctr"/>
-            <a:r>
-              <a:rPr lang="en-US" dirty="0"/>
-              <a:t>Digital Asset</a:t>
-            </a:r>
-          </a:p>
-        </p:txBody>
-      </p:sp>
-      <p:sp>
-        <p:nvSpPr>
-          <p:cNvPr id="5" name="Rectangle 4">
-            <a:extLst>
-              <a:ext uri="{FF2B5EF4-FFF2-40B4-BE49-F238E27FC236}">
-                <a16:creationId xmlns:a16="http://schemas.microsoft.com/office/drawing/2014/main" id="{A554FE1C-5FC9-B149-BCDC-7AD424CE742D}"/>
-              </a:ext>
-            </a:extLst>
-          </p:cNvPr>
-          <p:cNvSpPr/>
-          <p:nvPr/>
-        </p:nvSpPr>
-        <p:spPr>
-          <a:xfrm>
-            <a:off x="5683028" y="4789290"/>
+            <a:off x="5683029" y="4822309"/>
             <a:ext cx="1360967" cy="435936"/>
           </a:xfrm>
           <a:prstGeom prst="rect">
@@ -5361,10 +4833,10 @@
       </p:pic>
       <p:sp>
         <p:nvSpPr>
-          <p:cNvPr id="10" name="Rectangle 9">
-            <a:extLst>
-              <a:ext uri="{FF2B5EF4-FFF2-40B4-BE49-F238E27FC236}">
-                <a16:creationId xmlns:a16="http://schemas.microsoft.com/office/drawing/2014/main" id="{2B393DD3-7185-8145-9533-FDF1CECE79A4}"/>
+          <p:cNvPr id="11" name="Rectangle 10">
+            <a:extLst>
+              <a:ext uri="{FF2B5EF4-FFF2-40B4-BE49-F238E27FC236}">
+                <a16:creationId xmlns:a16="http://schemas.microsoft.com/office/drawing/2014/main" id="{C45211D4-C403-C249-8362-B1B386FEC205}"/>
               </a:ext>
             </a:extLst>
           </p:cNvPr>
@@ -5373,7 +4845,7 @@
         </p:nvSpPr>
         <p:spPr>
           <a:xfrm>
-            <a:off x="7292089" y="5341085"/>
+            <a:off x="7292089" y="4822309"/>
             <a:ext cx="1360967" cy="435936"/>
           </a:xfrm>
           <a:prstGeom prst="rect">
@@ -5381,7 +4853,7 @@
           </a:prstGeom>
           <a:solidFill>
             <a:schemeClr val="accent1">
-              <a:lumMod val="50000"/>
+              <a:lumMod val="75000"/>
             </a:schemeClr>
           </a:solidFill>
         </p:spPr>
@@ -5407,18 +4879,23 @@
           <a:p>
             <a:pPr algn="ctr"/>
             <a:r>
-              <a:rPr lang="en-US" dirty="0"/>
-              <a:t>Digital Asset</a:t>
-            </a:r>
-          </a:p>
-        </p:txBody>
-      </p:sp>
-      <p:sp>
-        <p:nvSpPr>
-          <p:cNvPr id="11" name="Rectangle 10">
-            <a:extLst>
-              <a:ext uri="{FF2B5EF4-FFF2-40B4-BE49-F238E27FC236}">
-                <a16:creationId xmlns:a16="http://schemas.microsoft.com/office/drawing/2014/main" id="{C45211D4-C403-C249-8362-B1B386FEC205}"/>
+              <a:rPr lang="en-US" dirty="0" err="1"/>
+              <a:t>API</a:t>
+            </a:r>
+            <a:r>
+              <a:rPr lang="en-US" baseline="-25000" dirty="0" err="1"/>
+              <a:t>Provider</a:t>
+            </a:r>
+            <a:endParaRPr lang="en-US" dirty="0"/>
+          </a:p>
+        </p:txBody>
+      </p:sp>
+      <p:sp>
+        <p:nvSpPr>
+          <p:cNvPr id="13" name="Rectangle 12">
+            <a:extLst>
+              <a:ext uri="{FF2B5EF4-FFF2-40B4-BE49-F238E27FC236}">
+                <a16:creationId xmlns:a16="http://schemas.microsoft.com/office/drawing/2014/main" id="{00A1E21E-21CB-1A46-9D12-80A2E40D8D89}"/>
               </a:ext>
             </a:extLst>
           </p:cNvPr>
@@ -5427,7 +4904,7 @@
         </p:nvSpPr>
         <p:spPr>
           <a:xfrm>
-            <a:off x="7292088" y="4789290"/>
+            <a:off x="405809" y="4823404"/>
             <a:ext cx="1360967" cy="435936"/>
           </a:xfrm>
           <a:prstGeom prst="rect">
@@ -5474,10 +4951,10 @@
       </p:sp>
       <p:sp>
         <p:nvSpPr>
-          <p:cNvPr id="12" name="Rectangle 11">
-            <a:extLst>
-              <a:ext uri="{FF2B5EF4-FFF2-40B4-BE49-F238E27FC236}">
-                <a16:creationId xmlns:a16="http://schemas.microsoft.com/office/drawing/2014/main" id="{CAC86C98-5B0C-CB46-9A75-0B3DBC2FF255}"/>
+          <p:cNvPr id="15" name="Rectangle 14">
+            <a:extLst>
+              <a:ext uri="{FF2B5EF4-FFF2-40B4-BE49-F238E27FC236}">
+                <a16:creationId xmlns:a16="http://schemas.microsoft.com/office/drawing/2014/main" id="{0DCD9790-E817-5F42-963B-086773F5FC69}"/>
               </a:ext>
             </a:extLst>
           </p:cNvPr>
@@ -5486,7 +4963,7 @@
         </p:nvSpPr>
         <p:spPr>
           <a:xfrm>
-            <a:off x="405808" y="5341085"/>
+            <a:off x="2014869" y="4822309"/>
             <a:ext cx="1360967" cy="435936"/>
           </a:xfrm>
           <a:prstGeom prst="rect">
@@ -5494,7 +4971,7 @@
           </a:prstGeom>
           <a:solidFill>
             <a:schemeClr val="accent1">
-              <a:lumMod val="50000"/>
+              <a:lumMod val="75000"/>
             </a:schemeClr>
           </a:solidFill>
         </p:spPr>
@@ -5520,18 +4997,23 @@
           <a:p>
             <a:pPr algn="ctr"/>
             <a:r>
-              <a:rPr lang="en-US" dirty="0"/>
-              <a:t>Digital Asset</a:t>
-            </a:r>
-          </a:p>
-        </p:txBody>
-      </p:sp>
-      <p:sp>
-        <p:nvSpPr>
-          <p:cNvPr id="13" name="Rectangle 12">
-            <a:extLst>
-              <a:ext uri="{FF2B5EF4-FFF2-40B4-BE49-F238E27FC236}">
-                <a16:creationId xmlns:a16="http://schemas.microsoft.com/office/drawing/2014/main" id="{00A1E21E-21CB-1A46-9D12-80A2E40D8D89}"/>
+              <a:rPr lang="en-US" dirty="0" err="1"/>
+              <a:t>API</a:t>
+            </a:r>
+            <a:r>
+              <a:rPr lang="en-US" baseline="-25000" dirty="0" err="1"/>
+              <a:t>Provider</a:t>
+            </a:r>
+            <a:endParaRPr lang="en-US" dirty="0"/>
+          </a:p>
+        </p:txBody>
+      </p:sp>
+      <p:sp>
+        <p:nvSpPr>
+          <p:cNvPr id="17" name="Rectangle 16">
+            <a:extLst>
+              <a:ext uri="{FF2B5EF4-FFF2-40B4-BE49-F238E27FC236}">
+                <a16:creationId xmlns:a16="http://schemas.microsoft.com/office/drawing/2014/main" id="{519005A8-38F4-E749-8CA7-58B98E35BC59}"/>
               </a:ext>
             </a:extLst>
           </p:cNvPr>
@@ -5540,233 +5022,7 @@
         </p:nvSpPr>
         <p:spPr>
           <a:xfrm>
-            <a:off x="405808" y="4790385"/>
-            <a:ext cx="1360967" cy="435936"/>
-          </a:xfrm>
-          <a:prstGeom prst="rect">
-            <a:avLst/>
-          </a:prstGeom>
-          <a:solidFill>
-            <a:schemeClr val="accent1">
-              <a:lumMod val="75000"/>
-            </a:schemeClr>
-          </a:solidFill>
-        </p:spPr>
-        <p:style>
-          <a:lnRef idx="2">
-            <a:schemeClr val="accent1">
-              <a:shade val="50000"/>
-            </a:schemeClr>
-          </a:lnRef>
-          <a:fillRef idx="1">
-            <a:schemeClr val="accent1"/>
-          </a:fillRef>
-          <a:effectRef idx="0">
-            <a:schemeClr val="accent1"/>
-          </a:effectRef>
-          <a:fontRef idx="minor">
-            <a:schemeClr val="lt1"/>
-          </a:fontRef>
-        </p:style>
-        <p:txBody>
-          <a:bodyPr rtlCol="0" anchor="ctr"/>
-          <a:lstStyle/>
-          <a:p>
-            <a:pPr algn="ctr"/>
-            <a:r>
-              <a:rPr lang="en-US" dirty="0" err="1"/>
-              <a:t>API</a:t>
-            </a:r>
-            <a:r>
-              <a:rPr lang="en-US" baseline="-25000" dirty="0" err="1"/>
-              <a:t>Provider</a:t>
-            </a:r>
-            <a:endParaRPr lang="en-US" dirty="0"/>
-          </a:p>
-        </p:txBody>
-      </p:sp>
-      <p:sp>
-        <p:nvSpPr>
-          <p:cNvPr id="14" name="Rectangle 13">
-            <a:extLst>
-              <a:ext uri="{FF2B5EF4-FFF2-40B4-BE49-F238E27FC236}">
-                <a16:creationId xmlns:a16="http://schemas.microsoft.com/office/drawing/2014/main" id="{AEB52E2E-C599-7F43-8437-77CA49E0C8C5}"/>
-              </a:ext>
-            </a:extLst>
-          </p:cNvPr>
-          <p:cNvSpPr/>
-          <p:nvPr/>
-        </p:nvSpPr>
-        <p:spPr>
-          <a:xfrm>
-            <a:off x="2014868" y="5341085"/>
-            <a:ext cx="1360967" cy="435936"/>
-          </a:xfrm>
-          <a:prstGeom prst="rect">
-            <a:avLst/>
-          </a:prstGeom>
-          <a:solidFill>
-            <a:schemeClr val="accent1">
-              <a:lumMod val="50000"/>
-            </a:schemeClr>
-          </a:solidFill>
-        </p:spPr>
-        <p:style>
-          <a:lnRef idx="2">
-            <a:schemeClr val="accent1">
-              <a:shade val="50000"/>
-            </a:schemeClr>
-          </a:lnRef>
-          <a:fillRef idx="1">
-            <a:schemeClr val="accent1"/>
-          </a:fillRef>
-          <a:effectRef idx="0">
-            <a:schemeClr val="accent1"/>
-          </a:effectRef>
-          <a:fontRef idx="minor">
-            <a:schemeClr val="lt1"/>
-          </a:fontRef>
-        </p:style>
-        <p:txBody>
-          <a:bodyPr rtlCol="0" anchor="ctr"/>
-          <a:lstStyle/>
-          <a:p>
-            <a:pPr algn="ctr"/>
-            <a:r>
-              <a:rPr lang="en-US" dirty="0"/>
-              <a:t>Digital Asset</a:t>
-            </a:r>
-          </a:p>
-        </p:txBody>
-      </p:sp>
-      <p:sp>
-        <p:nvSpPr>
-          <p:cNvPr id="15" name="Rectangle 14">
-            <a:extLst>
-              <a:ext uri="{FF2B5EF4-FFF2-40B4-BE49-F238E27FC236}">
-                <a16:creationId xmlns:a16="http://schemas.microsoft.com/office/drawing/2014/main" id="{0DCD9790-E817-5F42-963B-086773F5FC69}"/>
-              </a:ext>
-            </a:extLst>
-          </p:cNvPr>
-          <p:cNvSpPr/>
-          <p:nvPr/>
-        </p:nvSpPr>
-        <p:spPr>
-          <a:xfrm>
-            <a:off x="2014868" y="4789290"/>
-            <a:ext cx="1360967" cy="435936"/>
-          </a:xfrm>
-          <a:prstGeom prst="rect">
-            <a:avLst/>
-          </a:prstGeom>
-          <a:solidFill>
-            <a:schemeClr val="accent1">
-              <a:lumMod val="75000"/>
-            </a:schemeClr>
-          </a:solidFill>
-        </p:spPr>
-        <p:style>
-          <a:lnRef idx="2">
-            <a:schemeClr val="accent1">
-              <a:shade val="50000"/>
-            </a:schemeClr>
-          </a:lnRef>
-          <a:fillRef idx="1">
-            <a:schemeClr val="accent1"/>
-          </a:fillRef>
-          <a:effectRef idx="0">
-            <a:schemeClr val="accent1"/>
-          </a:effectRef>
-          <a:fontRef idx="minor">
-            <a:schemeClr val="lt1"/>
-          </a:fontRef>
-        </p:style>
-        <p:txBody>
-          <a:bodyPr rtlCol="0" anchor="ctr"/>
-          <a:lstStyle/>
-          <a:p>
-            <a:pPr algn="ctr"/>
-            <a:r>
-              <a:rPr lang="en-US" dirty="0" err="1"/>
-              <a:t>API</a:t>
-            </a:r>
-            <a:r>
-              <a:rPr lang="en-US" baseline="-25000" dirty="0" err="1"/>
-              <a:t>Provider</a:t>
-            </a:r>
-            <a:endParaRPr lang="en-US" dirty="0"/>
-          </a:p>
-        </p:txBody>
-      </p:sp>
-      <p:sp>
-        <p:nvSpPr>
-          <p:cNvPr id="16" name="Rectangle 15">
-            <a:extLst>
-              <a:ext uri="{FF2B5EF4-FFF2-40B4-BE49-F238E27FC236}">
-                <a16:creationId xmlns:a16="http://schemas.microsoft.com/office/drawing/2014/main" id="{C837277F-B763-7B46-9545-F91A5DF8566A}"/>
-              </a:ext>
-            </a:extLst>
-          </p:cNvPr>
-          <p:cNvSpPr/>
-          <p:nvPr/>
-        </p:nvSpPr>
-        <p:spPr>
-          <a:xfrm>
-            <a:off x="3848948" y="5341086"/>
-            <a:ext cx="1360967" cy="435936"/>
-          </a:xfrm>
-          <a:prstGeom prst="rect">
-            <a:avLst/>
-          </a:prstGeom>
-          <a:solidFill>
-            <a:schemeClr val="accent1">
-              <a:lumMod val="50000"/>
-            </a:schemeClr>
-          </a:solidFill>
-        </p:spPr>
-        <p:style>
-          <a:lnRef idx="2">
-            <a:schemeClr val="accent1">
-              <a:shade val="50000"/>
-            </a:schemeClr>
-          </a:lnRef>
-          <a:fillRef idx="1">
-            <a:schemeClr val="accent1"/>
-          </a:fillRef>
-          <a:effectRef idx="0">
-            <a:schemeClr val="accent1"/>
-          </a:effectRef>
-          <a:fontRef idx="minor">
-            <a:schemeClr val="lt1"/>
-          </a:fontRef>
-        </p:style>
-        <p:txBody>
-          <a:bodyPr rtlCol="0" anchor="ctr"/>
-          <a:lstStyle/>
-          <a:p>
-            <a:pPr algn="ctr"/>
-            <a:r>
-              <a:rPr lang="en-US" dirty="0"/>
-              <a:t>Digital Asset</a:t>
-            </a:r>
-          </a:p>
-        </p:txBody>
-      </p:sp>
-      <p:sp>
-        <p:nvSpPr>
-          <p:cNvPr id="17" name="Rectangle 16">
-            <a:extLst>
-              <a:ext uri="{FF2B5EF4-FFF2-40B4-BE49-F238E27FC236}">
-                <a16:creationId xmlns:a16="http://schemas.microsoft.com/office/drawing/2014/main" id="{519005A8-38F4-E749-8CA7-58B98E35BC59}"/>
-              </a:ext>
-            </a:extLst>
-          </p:cNvPr>
-          <p:cNvSpPr/>
-          <p:nvPr/>
-        </p:nvSpPr>
-        <p:spPr>
-          <a:xfrm>
-            <a:off x="3848947" y="4790385"/>
+            <a:off x="3848948" y="4823404"/>
             <a:ext cx="1360967" cy="435936"/>
           </a:xfrm>
           <a:prstGeom prst="rect">
@@ -6132,8 +5388,8 @@
         </p:nvSpPr>
         <p:spPr>
           <a:xfrm rot="16200000">
-            <a:off x="8322637" y="4606555"/>
-            <a:ext cx="1663996" cy="676937"/>
+            <a:off x="8691083" y="4338969"/>
+            <a:ext cx="1320211" cy="676937"/>
           </a:xfrm>
           <a:prstGeom prst="leftRightArrow">
             <a:avLst>
@@ -6176,15 +5432,8 @@
           <a:p>
             <a:pPr algn="ctr"/>
             <a:r>
-              <a:rPr lang="en-US" sz="1100" dirty="0"/>
-              <a:t> Technical API</a:t>
-            </a:r>
-          </a:p>
-          <a:p>
-            <a:pPr algn="ctr"/>
-            <a:r>
-              <a:rPr lang="en-US" sz="1100" dirty="0"/>
-              <a:t>Management</a:t>
+              <a:rPr lang="en-US" sz="1400" dirty="0"/>
+              <a:t> Technical</a:t>
             </a:r>
           </a:p>
         </p:txBody>
@@ -6569,8 +5818,8 @@
         </p:nvSpPr>
         <p:spPr>
           <a:xfrm rot="16200000">
-            <a:off x="8833891" y="4144925"/>
-            <a:ext cx="2587254" cy="676937"/>
+            <a:off x="9122607" y="3882655"/>
+            <a:ext cx="2232835" cy="676937"/>
           </a:xfrm>
           <a:prstGeom prst="leftRightArrow">
             <a:avLst>
@@ -6613,15 +5862,8 @@
           <a:p>
             <a:pPr algn="ctr"/>
             <a:r>
-              <a:rPr lang="en-US" sz="1100" dirty="0"/>
-              <a:t>API Product</a:t>
-            </a:r>
-          </a:p>
-          <a:p>
-            <a:pPr algn="ctr"/>
-            <a:r>
-              <a:rPr lang="en-US" sz="1100" dirty="0"/>
-              <a:t>Management</a:t>
+              <a:rPr lang="en-US" sz="1400" dirty="0"/>
+              <a:t>Product Management</a:t>
             </a:r>
           </a:p>
         </p:txBody>
@@ -6640,8 +5882,8 @@
         </p:nvSpPr>
         <p:spPr>
           <a:xfrm rot="16200000">
-            <a:off x="9092065" y="1507502"/>
-            <a:ext cx="2070904" cy="676937"/>
+            <a:off x="9161043" y="1550033"/>
+            <a:ext cx="2155963" cy="676937"/>
           </a:xfrm>
           <a:prstGeom prst="leftRightArrow">
             <a:avLst>
@@ -6684,15 +5926,8 @@
           <a:p>
             <a:pPr algn="ctr"/>
             <a:r>
-              <a:rPr lang="en-US" sz="1100" dirty="0"/>
-              <a:t>API Product</a:t>
-            </a:r>
-          </a:p>
-          <a:p>
-            <a:pPr algn="ctr"/>
-            <a:r>
-              <a:rPr lang="en-US" sz="1100" dirty="0"/>
-              <a:t>Marketing</a:t>
+              <a:rPr lang="en-US" sz="1400" dirty="0"/>
+              <a:t>Product Marketing</a:t>
             </a:r>
           </a:p>
         </p:txBody>
@@ -6711,7 +5946,7 @@
         </p:nvSpPr>
         <p:spPr>
           <a:xfrm>
-            <a:off x="405807" y="5932970"/>
+            <a:off x="405807" y="5531593"/>
             <a:ext cx="8270283" cy="676937"/>
           </a:xfrm>
           <a:prstGeom prst="leftRightArrow">
@@ -6755,15 +5990,8 @@
           <a:p>
             <a:pPr algn="ctr"/>
             <a:r>
-              <a:rPr lang="en-US" sz="1100" dirty="0"/>
-              <a:t>API Lifecycle</a:t>
-            </a:r>
-          </a:p>
-          <a:p>
-            <a:pPr algn="ctr"/>
-            <a:r>
-              <a:rPr lang="en-US" sz="1100" dirty="0"/>
-              <a:t>Management</a:t>
+              <a:rPr lang="en-US" sz="1400" dirty="0"/>
+              <a:t>Lifecycle</a:t>
             </a:r>
           </a:p>
         </p:txBody>
@@ -6771,7 +5999,7 @@
     </p:spTree>
     <p:extLst>
       <p:ext uri="{BB962C8B-B14F-4D97-AF65-F5344CB8AC3E}">
-        <p14:creationId xmlns:p14="http://schemas.microsoft.com/office/powerpoint/2010/main" val="1626511264"/>
+        <p14:creationId xmlns:p14="http://schemas.microsoft.com/office/powerpoint/2010/main" val="182341223"/>
       </p:ext>
     </p:extLst>
   </p:cSld>
